--- a/diagrams/processModels/introduction/sequentialModels/diagram.pptx
+++ b/diagrams/processModels/introduction/sequentialModels/diagram.pptx
@@ -104,6 +104,22 @@
       </a:defRPr>
     </a:lvl9pPr>
   </p:defaultTextStyle>
+  <p:extLst>
+    <p:ext uri="{EFAFB233-063F-42B5-8137-9DF3F51BA10A}">
+      <p15:sldGuideLst xmlns:p15="http://schemas.microsoft.com/office/powerpoint/2012/main">
+        <p15:guide id="1" orient="horz" pos="2160">
+          <p15:clr>
+            <a:srgbClr val="A4A3A4"/>
+          </p15:clr>
+        </p15:guide>
+        <p15:guide id="2" pos="2880">
+          <p15:clr>
+            <a:srgbClr val="A4A3A4"/>
+          </p15:clr>
+        </p15:guide>
+      </p15:sldGuideLst>
+    </p:ext>
+  </p:extLst>
 </p:presentation>
 </file>
 
@@ -145,7 +161,7 @@
           <a:lstStyle/>
           <a:p>
             <a:r>
-              <a:rPr lang="en-US" smtClean="0"/>
+              <a:rPr lang="en-US"/>
               <a:t>Click to edit Master title style</a:t>
             </a:r>
             <a:endParaRPr lang="en-SG"/>
@@ -264,7 +280,7 @@
           </a:lstStyle>
           <a:p>
             <a:r>
-              <a:rPr lang="en-US" smtClean="0"/>
+              <a:rPr lang="en-US"/>
               <a:t>Click to edit Master subtitle style</a:t>
             </a:r>
             <a:endParaRPr lang="en-SG"/>
@@ -288,7 +304,7 @@
           <a:p>
             <a:fld id="{DC27D1C9-A33C-494A-A1A4-DF414EBC08C6}" type="datetimeFigureOut">
               <a:rPr lang="en-SG" smtClean="0"/>
-              <a:t>11/7/2017</a:t>
+              <a:t>8/7/2023</a:t>
             </a:fld>
             <a:endParaRPr lang="en-SG"/>
           </a:p>
@@ -382,7 +398,7 @@
           <a:lstStyle/>
           <a:p>
             <a:r>
-              <a:rPr lang="en-US" smtClean="0"/>
+              <a:rPr lang="en-US"/>
               <a:t>Click to edit Master title style</a:t>
             </a:r>
             <a:endParaRPr lang="en-SG"/>
@@ -406,35 +422,35 @@
           <a:p>
             <a:pPr lvl="0"/>
             <a:r>
-              <a:rPr lang="en-US" smtClean="0"/>
+              <a:rPr lang="en-US"/>
               <a:t>Click to edit Master text styles</a:t>
             </a:r>
           </a:p>
           <a:p>
             <a:pPr lvl="1"/>
             <a:r>
-              <a:rPr lang="en-US" smtClean="0"/>
+              <a:rPr lang="en-US"/>
               <a:t>Second level</a:t>
             </a:r>
           </a:p>
           <a:p>
             <a:pPr lvl="2"/>
             <a:r>
-              <a:rPr lang="en-US" smtClean="0"/>
+              <a:rPr lang="en-US"/>
               <a:t>Third level</a:t>
             </a:r>
           </a:p>
           <a:p>
             <a:pPr lvl="3"/>
             <a:r>
-              <a:rPr lang="en-US" smtClean="0"/>
+              <a:rPr lang="en-US"/>
               <a:t>Fourth level</a:t>
             </a:r>
           </a:p>
           <a:p>
             <a:pPr lvl="4"/>
             <a:r>
-              <a:rPr lang="en-US" smtClean="0"/>
+              <a:rPr lang="en-US"/>
               <a:t>Fifth level</a:t>
             </a:r>
             <a:endParaRPr lang="en-SG"/>
@@ -458,7 +474,7 @@
           <a:p>
             <a:fld id="{DC27D1C9-A33C-494A-A1A4-DF414EBC08C6}" type="datetimeFigureOut">
               <a:rPr lang="en-SG" smtClean="0"/>
-              <a:t>11/7/2017</a:t>
+              <a:t>8/7/2023</a:t>
             </a:fld>
             <a:endParaRPr lang="en-SG"/>
           </a:p>
@@ -557,7 +573,7 @@
           <a:lstStyle/>
           <a:p>
             <a:r>
-              <a:rPr lang="en-US" smtClean="0"/>
+              <a:rPr lang="en-US"/>
               <a:t>Click to edit Master title style</a:t>
             </a:r>
             <a:endParaRPr lang="en-SG"/>
@@ -586,35 +602,35 @@
           <a:p>
             <a:pPr lvl="0"/>
             <a:r>
-              <a:rPr lang="en-US" smtClean="0"/>
+              <a:rPr lang="en-US"/>
               <a:t>Click to edit Master text styles</a:t>
             </a:r>
           </a:p>
           <a:p>
             <a:pPr lvl="1"/>
             <a:r>
-              <a:rPr lang="en-US" smtClean="0"/>
+              <a:rPr lang="en-US"/>
               <a:t>Second level</a:t>
             </a:r>
           </a:p>
           <a:p>
             <a:pPr lvl="2"/>
             <a:r>
-              <a:rPr lang="en-US" smtClean="0"/>
+              <a:rPr lang="en-US"/>
               <a:t>Third level</a:t>
             </a:r>
           </a:p>
           <a:p>
             <a:pPr lvl="3"/>
             <a:r>
-              <a:rPr lang="en-US" smtClean="0"/>
+              <a:rPr lang="en-US"/>
               <a:t>Fourth level</a:t>
             </a:r>
           </a:p>
           <a:p>
             <a:pPr lvl="4"/>
             <a:r>
-              <a:rPr lang="en-US" smtClean="0"/>
+              <a:rPr lang="en-US"/>
               <a:t>Fifth level</a:t>
             </a:r>
             <a:endParaRPr lang="en-SG"/>
@@ -638,7 +654,7 @@
           <a:p>
             <a:fld id="{DC27D1C9-A33C-494A-A1A4-DF414EBC08C6}" type="datetimeFigureOut">
               <a:rPr lang="en-SG" smtClean="0"/>
-              <a:t>11/7/2017</a:t>
+              <a:t>8/7/2023</a:t>
             </a:fld>
             <a:endParaRPr lang="en-SG"/>
           </a:p>
@@ -732,7 +748,7 @@
           <a:lstStyle/>
           <a:p>
             <a:r>
-              <a:rPr lang="en-US" smtClean="0"/>
+              <a:rPr lang="en-US"/>
               <a:t>Click to edit Master title style</a:t>
             </a:r>
             <a:endParaRPr lang="en-SG"/>
@@ -756,35 +772,35 @@
           <a:p>
             <a:pPr lvl="0"/>
             <a:r>
-              <a:rPr lang="en-US" smtClean="0"/>
+              <a:rPr lang="en-US"/>
               <a:t>Click to edit Master text styles</a:t>
             </a:r>
           </a:p>
           <a:p>
             <a:pPr lvl="1"/>
             <a:r>
-              <a:rPr lang="en-US" smtClean="0"/>
+              <a:rPr lang="en-US"/>
               <a:t>Second level</a:t>
             </a:r>
           </a:p>
           <a:p>
             <a:pPr lvl="2"/>
             <a:r>
-              <a:rPr lang="en-US" smtClean="0"/>
+              <a:rPr lang="en-US"/>
               <a:t>Third level</a:t>
             </a:r>
           </a:p>
           <a:p>
             <a:pPr lvl="3"/>
             <a:r>
-              <a:rPr lang="en-US" smtClean="0"/>
+              <a:rPr lang="en-US"/>
               <a:t>Fourth level</a:t>
             </a:r>
           </a:p>
           <a:p>
             <a:pPr lvl="4"/>
             <a:r>
-              <a:rPr lang="en-US" smtClean="0"/>
+              <a:rPr lang="en-US"/>
               <a:t>Fifth level</a:t>
             </a:r>
             <a:endParaRPr lang="en-SG"/>
@@ -808,7 +824,7 @@
           <a:p>
             <a:fld id="{DC27D1C9-A33C-494A-A1A4-DF414EBC08C6}" type="datetimeFigureOut">
               <a:rPr lang="en-SG" smtClean="0"/>
-              <a:t>11/7/2017</a:t>
+              <a:t>8/7/2023</a:t>
             </a:fld>
             <a:endParaRPr lang="en-SG"/>
           </a:p>
@@ -911,7 +927,7 @@
           </a:lstStyle>
           <a:p>
             <a:r>
-              <a:rPr lang="en-US" smtClean="0"/>
+              <a:rPr lang="en-US"/>
               <a:t>Click to edit Master title style</a:t>
             </a:r>
             <a:endParaRPr lang="en-SG"/>
@@ -1031,7 +1047,7 @@
           <a:p>
             <a:pPr lvl="0"/>
             <a:r>
-              <a:rPr lang="en-US" smtClean="0"/>
+              <a:rPr lang="en-US"/>
               <a:t>Click to edit Master text styles</a:t>
             </a:r>
           </a:p>
@@ -1054,7 +1070,7 @@
           <a:p>
             <a:fld id="{DC27D1C9-A33C-494A-A1A4-DF414EBC08C6}" type="datetimeFigureOut">
               <a:rPr lang="en-SG" smtClean="0"/>
-              <a:t>11/7/2017</a:t>
+              <a:t>8/7/2023</a:t>
             </a:fld>
             <a:endParaRPr lang="en-SG"/>
           </a:p>
@@ -1148,7 +1164,7 @@
           <a:lstStyle/>
           <a:p>
             <a:r>
-              <a:rPr lang="en-US" smtClean="0"/>
+              <a:rPr lang="en-US"/>
               <a:t>Click to edit Master title style</a:t>
             </a:r>
             <a:endParaRPr lang="en-SG"/>
@@ -1205,35 +1221,35 @@
           <a:p>
             <a:pPr lvl="0"/>
             <a:r>
-              <a:rPr lang="en-US" smtClean="0"/>
+              <a:rPr lang="en-US"/>
               <a:t>Click to edit Master text styles</a:t>
             </a:r>
           </a:p>
           <a:p>
             <a:pPr lvl="1"/>
             <a:r>
-              <a:rPr lang="en-US" smtClean="0"/>
+              <a:rPr lang="en-US"/>
               <a:t>Second level</a:t>
             </a:r>
           </a:p>
           <a:p>
             <a:pPr lvl="2"/>
             <a:r>
-              <a:rPr lang="en-US" smtClean="0"/>
+              <a:rPr lang="en-US"/>
               <a:t>Third level</a:t>
             </a:r>
           </a:p>
           <a:p>
             <a:pPr lvl="3"/>
             <a:r>
-              <a:rPr lang="en-US" smtClean="0"/>
+              <a:rPr lang="en-US"/>
               <a:t>Fourth level</a:t>
             </a:r>
           </a:p>
           <a:p>
             <a:pPr lvl="4"/>
             <a:r>
-              <a:rPr lang="en-US" smtClean="0"/>
+              <a:rPr lang="en-US"/>
               <a:t>Fifth level</a:t>
             </a:r>
             <a:endParaRPr lang="en-SG"/>
@@ -1290,35 +1306,35 @@
           <a:p>
             <a:pPr lvl="0"/>
             <a:r>
-              <a:rPr lang="en-US" smtClean="0"/>
+              <a:rPr lang="en-US"/>
               <a:t>Click to edit Master text styles</a:t>
             </a:r>
           </a:p>
           <a:p>
             <a:pPr lvl="1"/>
             <a:r>
-              <a:rPr lang="en-US" smtClean="0"/>
+              <a:rPr lang="en-US"/>
               <a:t>Second level</a:t>
             </a:r>
           </a:p>
           <a:p>
             <a:pPr lvl="2"/>
             <a:r>
-              <a:rPr lang="en-US" smtClean="0"/>
+              <a:rPr lang="en-US"/>
               <a:t>Third level</a:t>
             </a:r>
           </a:p>
           <a:p>
             <a:pPr lvl="3"/>
             <a:r>
-              <a:rPr lang="en-US" smtClean="0"/>
+              <a:rPr lang="en-US"/>
               <a:t>Fourth level</a:t>
             </a:r>
           </a:p>
           <a:p>
             <a:pPr lvl="4"/>
             <a:r>
-              <a:rPr lang="en-US" smtClean="0"/>
+              <a:rPr lang="en-US"/>
               <a:t>Fifth level</a:t>
             </a:r>
             <a:endParaRPr lang="en-SG"/>
@@ -1342,7 +1358,7 @@
           <a:p>
             <a:fld id="{DC27D1C9-A33C-494A-A1A4-DF414EBC08C6}" type="datetimeFigureOut">
               <a:rPr lang="en-SG" smtClean="0"/>
-              <a:t>11/7/2017</a:t>
+              <a:t>8/7/2023</a:t>
             </a:fld>
             <a:endParaRPr lang="en-SG"/>
           </a:p>
@@ -1440,7 +1456,7 @@
           </a:lstStyle>
           <a:p>
             <a:r>
-              <a:rPr lang="en-US" smtClean="0"/>
+              <a:rPr lang="en-US"/>
               <a:t>Click to edit Master title style</a:t>
             </a:r>
             <a:endParaRPr lang="en-SG"/>
@@ -1506,7 +1522,7 @@
           <a:p>
             <a:pPr lvl="0"/>
             <a:r>
-              <a:rPr lang="en-US" smtClean="0"/>
+              <a:rPr lang="en-US"/>
               <a:t>Click to edit Master text styles</a:t>
             </a:r>
           </a:p>
@@ -1562,35 +1578,35 @@
           <a:p>
             <a:pPr lvl="0"/>
             <a:r>
-              <a:rPr lang="en-US" smtClean="0"/>
+              <a:rPr lang="en-US"/>
               <a:t>Click to edit Master text styles</a:t>
             </a:r>
           </a:p>
           <a:p>
             <a:pPr lvl="1"/>
             <a:r>
-              <a:rPr lang="en-US" smtClean="0"/>
+              <a:rPr lang="en-US"/>
               <a:t>Second level</a:t>
             </a:r>
           </a:p>
           <a:p>
             <a:pPr lvl="2"/>
             <a:r>
-              <a:rPr lang="en-US" smtClean="0"/>
+              <a:rPr lang="en-US"/>
               <a:t>Third level</a:t>
             </a:r>
           </a:p>
           <a:p>
             <a:pPr lvl="3"/>
             <a:r>
-              <a:rPr lang="en-US" smtClean="0"/>
+              <a:rPr lang="en-US"/>
               <a:t>Fourth level</a:t>
             </a:r>
           </a:p>
           <a:p>
             <a:pPr lvl="4"/>
             <a:r>
-              <a:rPr lang="en-US" smtClean="0"/>
+              <a:rPr lang="en-US"/>
               <a:t>Fifth level</a:t>
             </a:r>
             <a:endParaRPr lang="en-SG"/>
@@ -1656,7 +1672,7 @@
           <a:p>
             <a:pPr lvl="0"/>
             <a:r>
-              <a:rPr lang="en-US" smtClean="0"/>
+              <a:rPr lang="en-US"/>
               <a:t>Click to edit Master text styles</a:t>
             </a:r>
           </a:p>
@@ -1712,35 +1728,35 @@
           <a:p>
             <a:pPr lvl="0"/>
             <a:r>
-              <a:rPr lang="en-US" smtClean="0"/>
+              <a:rPr lang="en-US"/>
               <a:t>Click to edit Master text styles</a:t>
             </a:r>
           </a:p>
           <a:p>
             <a:pPr lvl="1"/>
             <a:r>
-              <a:rPr lang="en-US" smtClean="0"/>
+              <a:rPr lang="en-US"/>
               <a:t>Second level</a:t>
             </a:r>
           </a:p>
           <a:p>
             <a:pPr lvl="2"/>
             <a:r>
-              <a:rPr lang="en-US" smtClean="0"/>
+              <a:rPr lang="en-US"/>
               <a:t>Third level</a:t>
             </a:r>
           </a:p>
           <a:p>
             <a:pPr lvl="3"/>
             <a:r>
-              <a:rPr lang="en-US" smtClean="0"/>
+              <a:rPr lang="en-US"/>
               <a:t>Fourth level</a:t>
             </a:r>
           </a:p>
           <a:p>
             <a:pPr lvl="4"/>
             <a:r>
-              <a:rPr lang="en-US" smtClean="0"/>
+              <a:rPr lang="en-US"/>
               <a:t>Fifth level</a:t>
             </a:r>
             <a:endParaRPr lang="en-SG"/>
@@ -1764,7 +1780,7 @@
           <a:p>
             <a:fld id="{DC27D1C9-A33C-494A-A1A4-DF414EBC08C6}" type="datetimeFigureOut">
               <a:rPr lang="en-SG" smtClean="0"/>
-              <a:t>11/7/2017</a:t>
+              <a:t>8/7/2023</a:t>
             </a:fld>
             <a:endParaRPr lang="en-SG"/>
           </a:p>
@@ -1858,7 +1874,7 @@
           <a:lstStyle/>
           <a:p>
             <a:r>
-              <a:rPr lang="en-US" smtClean="0"/>
+              <a:rPr lang="en-US"/>
               <a:t>Click to edit Master title style</a:t>
             </a:r>
             <a:endParaRPr lang="en-SG"/>
@@ -1882,7 +1898,7 @@
           <a:p>
             <a:fld id="{DC27D1C9-A33C-494A-A1A4-DF414EBC08C6}" type="datetimeFigureOut">
               <a:rPr lang="en-SG" smtClean="0"/>
-              <a:t>11/7/2017</a:t>
+              <a:t>8/7/2023</a:t>
             </a:fld>
             <a:endParaRPr lang="en-SG"/>
           </a:p>
@@ -1977,7 +1993,7 @@
           <a:p>
             <a:fld id="{DC27D1C9-A33C-494A-A1A4-DF414EBC08C6}" type="datetimeFigureOut">
               <a:rPr lang="en-SG" smtClean="0"/>
-              <a:t>11/7/2017</a:t>
+              <a:t>8/7/2023</a:t>
             </a:fld>
             <a:endParaRPr lang="en-SG"/>
           </a:p>
@@ -2080,7 +2096,7 @@
           </a:lstStyle>
           <a:p>
             <a:r>
-              <a:rPr lang="en-US" smtClean="0"/>
+              <a:rPr lang="en-US"/>
               <a:t>Click to edit Master title style</a:t>
             </a:r>
             <a:endParaRPr lang="en-SG"/>
@@ -2137,35 +2153,35 @@
           <a:p>
             <a:pPr lvl="0"/>
             <a:r>
-              <a:rPr lang="en-US" smtClean="0"/>
+              <a:rPr lang="en-US"/>
               <a:t>Click to edit Master text styles</a:t>
             </a:r>
           </a:p>
           <a:p>
             <a:pPr lvl="1"/>
             <a:r>
-              <a:rPr lang="en-US" smtClean="0"/>
+              <a:rPr lang="en-US"/>
               <a:t>Second level</a:t>
             </a:r>
           </a:p>
           <a:p>
             <a:pPr lvl="2"/>
             <a:r>
-              <a:rPr lang="en-US" smtClean="0"/>
+              <a:rPr lang="en-US"/>
               <a:t>Third level</a:t>
             </a:r>
           </a:p>
           <a:p>
             <a:pPr lvl="3"/>
             <a:r>
-              <a:rPr lang="en-US" smtClean="0"/>
+              <a:rPr lang="en-US"/>
               <a:t>Fourth level</a:t>
             </a:r>
           </a:p>
           <a:p>
             <a:pPr lvl="4"/>
             <a:r>
-              <a:rPr lang="en-US" smtClean="0"/>
+              <a:rPr lang="en-US"/>
               <a:t>Fifth level</a:t>
             </a:r>
             <a:endParaRPr lang="en-SG"/>
@@ -2231,7 +2247,7 @@
           <a:p>
             <a:pPr lvl="0"/>
             <a:r>
-              <a:rPr lang="en-US" smtClean="0"/>
+              <a:rPr lang="en-US"/>
               <a:t>Click to edit Master text styles</a:t>
             </a:r>
           </a:p>
@@ -2254,7 +2270,7 @@
           <a:p>
             <a:fld id="{DC27D1C9-A33C-494A-A1A4-DF414EBC08C6}" type="datetimeFigureOut">
               <a:rPr lang="en-SG" smtClean="0"/>
-              <a:t>11/7/2017</a:t>
+              <a:t>8/7/2023</a:t>
             </a:fld>
             <a:endParaRPr lang="en-SG"/>
           </a:p>
@@ -2357,7 +2373,7 @@
           </a:lstStyle>
           <a:p>
             <a:r>
-              <a:rPr lang="en-US" smtClean="0"/>
+              <a:rPr lang="en-US"/>
               <a:t>Click to edit Master title style</a:t>
             </a:r>
             <a:endParaRPr lang="en-SG"/>
@@ -2484,7 +2500,7 @@
           <a:p>
             <a:pPr lvl="0"/>
             <a:r>
-              <a:rPr lang="en-US" smtClean="0"/>
+              <a:rPr lang="en-US"/>
               <a:t>Click to edit Master text styles</a:t>
             </a:r>
           </a:p>
@@ -2507,7 +2523,7 @@
           <a:p>
             <a:fld id="{DC27D1C9-A33C-494A-A1A4-DF414EBC08C6}" type="datetimeFigureOut">
               <a:rPr lang="en-SG" smtClean="0"/>
-              <a:t>11/7/2017</a:t>
+              <a:t>8/7/2023</a:t>
             </a:fld>
             <a:endParaRPr lang="en-SG"/>
           </a:p>
@@ -2616,7 +2632,7 @@
           <a:lstStyle/>
           <a:p>
             <a:r>
-              <a:rPr lang="en-US" smtClean="0"/>
+              <a:rPr lang="en-US"/>
               <a:t>Click to edit Master title style</a:t>
             </a:r>
             <a:endParaRPr lang="en-SG"/>
@@ -2650,35 +2666,35 @@
           <a:p>
             <a:pPr lvl="0"/>
             <a:r>
-              <a:rPr lang="en-US" smtClean="0"/>
+              <a:rPr lang="en-US"/>
               <a:t>Click to edit Master text styles</a:t>
             </a:r>
           </a:p>
           <a:p>
             <a:pPr lvl="1"/>
             <a:r>
-              <a:rPr lang="en-US" smtClean="0"/>
+              <a:rPr lang="en-US"/>
               <a:t>Second level</a:t>
             </a:r>
           </a:p>
           <a:p>
             <a:pPr lvl="2"/>
             <a:r>
-              <a:rPr lang="en-US" smtClean="0"/>
+              <a:rPr lang="en-US"/>
               <a:t>Third level</a:t>
             </a:r>
           </a:p>
           <a:p>
             <a:pPr lvl="3"/>
             <a:r>
-              <a:rPr lang="en-US" smtClean="0"/>
+              <a:rPr lang="en-US"/>
               <a:t>Fourth level</a:t>
             </a:r>
           </a:p>
           <a:p>
             <a:pPr lvl="4"/>
             <a:r>
-              <a:rPr lang="en-US" smtClean="0"/>
+              <a:rPr lang="en-US"/>
               <a:t>Fifth level</a:t>
             </a:r>
             <a:endParaRPr lang="en-SG"/>
@@ -2720,7 +2736,7 @@
           <a:p>
             <a:fld id="{DC27D1C9-A33C-494A-A1A4-DF414EBC08C6}" type="datetimeFigureOut">
               <a:rPr lang="en-SG" smtClean="0"/>
-              <a:t>11/7/2017</a:t>
+              <a:t>8/7/2023</a:t>
             </a:fld>
             <a:endParaRPr lang="en-SG"/>
           </a:p>
@@ -3130,10 +3146,9 @@
           <a:p>
             <a:pPr algn="ctr"/>
             <a:r>
-              <a:rPr lang="en-US" sz="2400" dirty="0" smtClean="0"/>
+              <a:rPr lang="en-US" sz="2400" dirty="0"/>
               <a:t>Specify Requirements</a:t>
             </a:r>
-            <a:endParaRPr lang="en-US" sz="2400" dirty="0"/>
           </a:p>
         </p:txBody>
       </p:sp>
@@ -3172,10 +3187,9 @@
           <a:p>
             <a:pPr algn="ctr"/>
             <a:r>
-              <a:rPr lang="en-US" sz="2400" dirty="0" smtClean="0"/>
+              <a:rPr lang="en-US" sz="2400" dirty="0"/>
               <a:t>Design product</a:t>
             </a:r>
-            <a:endParaRPr lang="en-US" sz="2400" dirty="0"/>
           </a:p>
         </p:txBody>
       </p:sp>
@@ -3214,10 +3228,9 @@
           <a:p>
             <a:pPr algn="ctr"/>
             <a:r>
-              <a:rPr lang="en-US" sz="2400" dirty="0" smtClean="0"/>
+              <a:rPr lang="en-US" sz="2400" dirty="0"/>
               <a:t>Implement</a:t>
             </a:r>
-            <a:endParaRPr lang="en-US" sz="2400" dirty="0"/>
           </a:p>
         </p:txBody>
       </p:sp>
@@ -3256,10 +3269,9 @@
           <a:p>
             <a:pPr algn="ctr"/>
             <a:r>
-              <a:rPr lang="en-US" sz="2400" dirty="0" smtClean="0"/>
+              <a:rPr lang="en-US" sz="2400" dirty="0"/>
               <a:t>Test</a:t>
             </a:r>
-            <a:endParaRPr lang="en-US" sz="2400" dirty="0"/>
           </a:p>
         </p:txBody>
       </p:sp>
@@ -3298,10 +3310,9 @@
           <a:p>
             <a:pPr algn="ctr"/>
             <a:r>
-              <a:rPr lang="en-US" sz="2400" dirty="0" smtClean="0"/>
+              <a:rPr lang="en-US" sz="2400" dirty="0"/>
               <a:t>Deploy</a:t>
             </a:r>
-            <a:endParaRPr lang="en-US" sz="2400" dirty="0"/>
           </a:p>
         </p:txBody>
       </p:sp>
@@ -3322,6 +3333,7 @@
             <a:avLst/>
           </a:prstGeom>
           <a:ln>
+            <a:prstDash val="dash"/>
             <a:tailEnd type="arrow"/>
           </a:ln>
         </p:spPr>
@@ -3355,6 +3367,7 @@
             <a:avLst/>
           </a:prstGeom>
           <a:ln>
+            <a:prstDash val="dash"/>
             <a:tailEnd type="arrow"/>
           </a:ln>
         </p:spPr>
@@ -3388,6 +3401,7 @@
             <a:avLst/>
           </a:prstGeom>
           <a:ln>
+            <a:prstDash val="dash"/>
             <a:tailEnd type="arrow"/>
           </a:ln>
         </p:spPr>
@@ -3423,6 +3437,7 @@
             <a:avLst/>
           </a:prstGeom>
           <a:ln>
+            <a:prstDash val="dash"/>
             <a:tailEnd type="arrow"/>
           </a:ln>
         </p:spPr>
@@ -3463,10 +3478,13 @@
           <a:lstStyle/>
           <a:p>
             <a:r>
-              <a:rPr lang="en-US" sz="2400" dirty="0" smtClean="0"/>
+              <a:rPr lang="en-US" sz="2400" dirty="0">
+                <a:solidFill>
+                  <a:srgbClr val="0070C0"/>
+                </a:solidFill>
+              </a:rPr>
               <a:t>requirements</a:t>
             </a:r>
-            <a:endParaRPr lang="en-US" sz="2400" dirty="0"/>
           </a:p>
         </p:txBody>
       </p:sp>
@@ -3492,10 +3510,13 @@
           <a:lstStyle/>
           <a:p>
             <a:r>
-              <a:rPr lang="en-US" sz="2400" dirty="0" smtClean="0"/>
+              <a:rPr lang="en-US" sz="2400" dirty="0">
+                <a:solidFill>
+                  <a:srgbClr val="0070C0"/>
+                </a:solidFill>
+              </a:rPr>
               <a:t>design</a:t>
             </a:r>
-            <a:endParaRPr lang="en-US" sz="2400" dirty="0"/>
           </a:p>
         </p:txBody>
       </p:sp>
@@ -3521,10 +3542,13 @@
           <a:lstStyle/>
           <a:p>
             <a:r>
-              <a:rPr lang="en-US" sz="2400" dirty="0" smtClean="0"/>
+              <a:rPr lang="en-US" sz="2400" dirty="0">
+                <a:solidFill>
+                  <a:srgbClr val="0070C0"/>
+                </a:solidFill>
+              </a:rPr>
               <a:t>code</a:t>
             </a:r>
-            <a:endParaRPr lang="en-US" sz="2400" dirty="0"/>
           </a:p>
         </p:txBody>
       </p:sp>
@@ -3536,7 +3560,7 @@
         </p:nvSpPr>
         <p:spPr>
           <a:xfrm>
-            <a:off x="6934200" y="4343400"/>
+            <a:off x="6709233" y="4415135"/>
             <a:ext cx="1290610" cy="461665"/>
           </a:xfrm>
           <a:prstGeom prst="rect">
@@ -3550,46 +3574,13 @@
           <a:lstStyle/>
           <a:p>
             <a:r>
-              <a:rPr lang="en-US" sz="2400" dirty="0" smtClean="0"/>
-              <a:t>Bug fixes</a:t>
-            </a:r>
-            <a:endParaRPr lang="en-US" sz="2400" dirty="0"/>
-          </a:p>
-        </p:txBody>
-      </p:sp>
-      <p:sp>
-        <p:nvSpPr>
-          <p:cNvPr id="17" name="Rectangle 16"/>
-          <p:cNvSpPr/>
-          <p:nvPr/>
-        </p:nvSpPr>
-        <p:spPr>
-          <a:xfrm>
-            <a:off x="7976821" y="4953000"/>
-            <a:ext cx="1167179" cy="830997"/>
-          </a:xfrm>
-          <a:prstGeom prst="rect">
-            <a:avLst/>
-          </a:prstGeom>
-        </p:spPr>
-        <p:txBody>
-          <a:bodyPr wrap="none">
-            <a:spAutoFit/>
-          </a:bodyPr>
-          <a:lstStyle/>
-          <a:p>
-            <a:r>
-              <a:rPr lang="en-US" sz="2400" dirty="0" smtClean="0"/>
-              <a:t>Final </a:t>
-            </a:r>
-            <a:br>
-              <a:rPr lang="en-US" sz="2400" dirty="0" smtClean="0"/>
-            </a:br>
-            <a:r>
-              <a:rPr lang="en-US" sz="2400" dirty="0" smtClean="0"/>
-              <a:t>product</a:t>
-            </a:r>
-            <a:endParaRPr lang="en-US" sz="2400" dirty="0"/>
+              <a:rPr lang="en-US" sz="2400" dirty="0">
+                <a:solidFill>
+                  <a:srgbClr val="0070C0"/>
+                </a:solidFill>
+              </a:rPr>
+              <a:t>bug fixes</a:t>
+            </a:r>
           </a:p>
         </p:txBody>
       </p:sp>
@@ -3597,20 +3588,22 @@
         <p:nvCxnSpPr>
           <p:cNvPr id="18" name="Straight Arrow Connector 17"/>
           <p:cNvCxnSpPr>
+            <a:cxnSpLocks/>
             <a:stCxn id="8" idx="3"/>
-            <a:endCxn id="17" idx="1"/>
+            <a:endCxn id="19" idx="2"/>
           </p:cNvCxnSpPr>
           <p:nvPr/>
         </p:nvCxnSpPr>
         <p:spPr>
           <a:xfrm flipV="1">
-            <a:off x="7620000" y="5368499"/>
-            <a:ext cx="356821" cy="3601"/>
+            <a:off x="7620000" y="5369375"/>
+            <a:ext cx="518564" cy="2725"/>
           </a:xfrm>
           <a:prstGeom prst="straightConnector1">
             <a:avLst/>
           </a:prstGeom>
           <a:ln>
+            <a:prstDash val="dash"/>
             <a:tailEnd type="arrow"/>
           </a:ln>
         </p:spPr>
@@ -3629,6 +3622,56 @@
           </a:fontRef>
         </p:style>
       </p:cxnSp>
+      <p:sp>
+        <p:nvSpPr>
+          <p:cNvPr id="19" name="Folded Corner 24">
+            <a:extLst>
+              <a:ext uri="{FF2B5EF4-FFF2-40B4-BE49-F238E27FC236}">
+                <a16:creationId xmlns:a16="http://schemas.microsoft.com/office/drawing/2014/main" id="{3D64722F-C820-4321-A082-832817A65A88}"/>
+              </a:ext>
+            </a:extLst>
+          </p:cNvPr>
+          <p:cNvSpPr/>
+          <p:nvPr/>
+        </p:nvSpPr>
+        <p:spPr>
+          <a:xfrm>
+            <a:off x="8138564" y="4952084"/>
+            <a:ext cx="1401273" cy="667665"/>
+          </a:xfrm>
+          <a:prstGeom prst="cube">
+            <a:avLst/>
+          </a:prstGeom>
+          <a:solidFill>
+            <a:schemeClr val="accent6"/>
+          </a:solidFill>
+        </p:spPr>
+        <p:style>
+          <a:lnRef idx="1">
+            <a:schemeClr val="accent6"/>
+          </a:lnRef>
+          <a:fillRef idx="2">
+            <a:schemeClr val="accent6"/>
+          </a:fillRef>
+          <a:effectRef idx="1">
+            <a:schemeClr val="accent6"/>
+          </a:effectRef>
+          <a:fontRef idx="minor">
+            <a:schemeClr val="dk1"/>
+          </a:fontRef>
+        </p:style>
+        <p:txBody>
+          <a:bodyPr rtlCol="0" anchor="ctr"/>
+          <a:lstStyle/>
+          <a:p>
+            <a:pPr algn="ctr"/>
+            <a:r>
+              <a:rPr lang="en-US" sz="2400" dirty="0"/>
+              <a:t>product</a:t>
+            </a:r>
+          </a:p>
+        </p:txBody>
+      </p:sp>
     </p:spTree>
     <p:extLst>
       <p:ext uri="{BB962C8B-B14F-4D97-AF65-F5344CB8AC3E}">
